--- a/Project/BigData_Final_Project_Proposal.pptx
+++ b/Project/BigData_Final_Project_Proposal.pptx
@@ -17099,65 +17099,9 @@
           <a:chExt cx="0" cy="0"/>
         </a:xfrm>
       </p:grpSpPr>
-      <p:pic>
-        <p:nvPicPr>
-          <p:cNvPr id="198" name="Google Shape;198;p34"/>
-          <p:cNvPicPr preferRelativeResize="0"/>
-          <p:nvPr/>
-        </p:nvPicPr>
-        <p:blipFill>
-          <a:blip r:embed="rId3">
-            <a:alphaModFix/>
-          </a:blip>
-          <a:stretch>
-            <a:fillRect/>
-          </a:stretch>
-        </p:blipFill>
-        <p:spPr>
-          <a:xfrm>
-            <a:off x="0" y="0"/>
-            <a:ext cx="4572000" cy="3133923"/>
-          </a:xfrm>
-          <a:prstGeom prst="rect">
-            <a:avLst/>
-          </a:prstGeom>
-          <a:noFill/>
-          <a:ln>
-            <a:noFill/>
-          </a:ln>
-        </p:spPr>
-      </p:pic>
-      <p:pic>
-        <p:nvPicPr>
-          <p:cNvPr id="199" name="Google Shape;199;p34"/>
-          <p:cNvPicPr preferRelativeResize="0"/>
-          <p:nvPr/>
-        </p:nvPicPr>
-        <p:blipFill>
-          <a:blip r:embed="rId4">
-            <a:alphaModFix/>
-          </a:blip>
-          <a:stretch>
-            <a:fillRect/>
-          </a:stretch>
-        </p:blipFill>
-        <p:spPr>
-          <a:xfrm>
-            <a:off x="600375" y="1547751"/>
-            <a:ext cx="8543625" cy="3394900"/>
-          </a:xfrm>
-          <a:prstGeom prst="rect">
-            <a:avLst/>
-          </a:prstGeom>
-          <a:noFill/>
-          <a:ln>
-            <a:noFill/>
-          </a:ln>
-        </p:spPr>
-      </p:pic>
       <p:sp>
         <p:nvSpPr>
-          <p:cNvPr id="200" name="Google Shape;200;p34"/>
+          <p:cNvPr id="198" name="Google Shape;198;p34"/>
           <p:cNvSpPr txBox="1"/>
           <p:nvPr/>
         </p:nvSpPr>
@@ -17225,6 +17169,62 @@
           </a:p>
         </p:txBody>
       </p:sp>
+      <p:pic>
+        <p:nvPicPr>
+          <p:cNvPr id="199" name="Google Shape;199;p34"/>
+          <p:cNvPicPr preferRelativeResize="0"/>
+          <p:nvPr/>
+        </p:nvPicPr>
+        <p:blipFill>
+          <a:blip r:embed="rId3">
+            <a:alphaModFix/>
+          </a:blip>
+          <a:stretch>
+            <a:fillRect/>
+          </a:stretch>
+        </p:blipFill>
+        <p:spPr>
+          <a:xfrm>
+            <a:off x="1733500" y="2297522"/>
+            <a:ext cx="7410489" cy="2845978"/>
+          </a:xfrm>
+          <a:prstGeom prst="rect">
+            <a:avLst/>
+          </a:prstGeom>
+          <a:noFill/>
+          <a:ln>
+            <a:noFill/>
+          </a:ln>
+        </p:spPr>
+      </p:pic>
+      <p:pic>
+        <p:nvPicPr>
+          <p:cNvPr id="200" name="Google Shape;200;p34"/>
+          <p:cNvPicPr preferRelativeResize="0"/>
+          <p:nvPr/>
+        </p:nvPicPr>
+        <p:blipFill>
+          <a:blip r:embed="rId4">
+            <a:alphaModFix/>
+          </a:blip>
+          <a:stretch>
+            <a:fillRect/>
+          </a:stretch>
+        </p:blipFill>
+        <p:spPr>
+          <a:xfrm>
+            <a:off x="152400" y="152400"/>
+            <a:ext cx="3900900" cy="2557781"/>
+          </a:xfrm>
+          <a:prstGeom prst="rect">
+            <a:avLst/>
+          </a:prstGeom>
+          <a:noFill/>
+          <a:ln>
+            <a:noFill/>
+          </a:ln>
+        </p:spPr>
+      </p:pic>
     </p:spTree>
   </p:cSld>
   <p:clrMapOvr>
@@ -17266,8 +17266,8 @@
         </p:blipFill>
         <p:spPr>
           <a:xfrm>
-            <a:off x="742950" y="47613"/>
-            <a:ext cx="3657300" cy="2410904"/>
+            <a:off x="5138000" y="0"/>
+            <a:ext cx="4005993" cy="2571750"/>
           </a:xfrm>
           <a:prstGeom prst="rect">
             <a:avLst/>
@@ -17294,8 +17294,8 @@
         </p:blipFill>
         <p:spPr>
           <a:xfrm>
-            <a:off x="5024200" y="0"/>
-            <a:ext cx="4027450" cy="2651983"/>
+            <a:off x="0" y="0"/>
+            <a:ext cx="3704582" cy="2422950"/>
           </a:xfrm>
           <a:prstGeom prst="rect">
             <a:avLst/>
@@ -17312,18 +17312,17 @@
           <p:cNvPicPr preferRelativeResize="0"/>
           <p:nvPr/>
         </p:nvPicPr>
-        <p:blipFill>
+        <p:blipFill rotWithShape="1">
           <a:blip r:embed="rId5">
             <a:alphaModFix/>
           </a:blip>
-          <a:stretch>
-            <a:fillRect/>
-          </a:stretch>
+          <a:srcRect b="0" l="0" r="2846" t="2846"/>
+          <a:stretch/>
         </p:blipFill>
         <p:spPr>
           <a:xfrm>
-            <a:off x="372790" y="2458525"/>
-            <a:ext cx="4027459" cy="2571749"/>
+            <a:off x="67150" y="2727750"/>
+            <a:ext cx="3697955" cy="2415750"/>
           </a:xfrm>
           <a:prstGeom prst="rect">
             <a:avLst/>
@@ -17350,8 +17349,8 @@
         </p:blipFill>
         <p:spPr>
           <a:xfrm>
-            <a:off x="5394350" y="2651972"/>
-            <a:ext cx="3657300" cy="2422953"/>
+            <a:off x="5137999" y="2580051"/>
+            <a:ext cx="4006001" cy="2563449"/>
           </a:xfrm>
           <a:prstGeom prst="rect">
             <a:avLst/>
@@ -19843,7 +19842,7 @@
                 <a:cs typeface="Calibri"/>
                 <a:sym typeface="Calibri"/>
               </a:rPr>
-              <a:t>Taking the dataset from 2016 as example, it has 2343429 rows of records and 34 columns (features). Some inputs are missing so we need to do some data cleaning before further analysis.</a:t>
+              <a:t>Taking the dataset from 2017 as example, it has 2343569 rows of records and 34 columns (features). Some inputs are missing so we need to do some data cleaning before further analysis.</a:t>
             </a:r>
             <a:endParaRPr b="1">
               <a:latin typeface="Calibri"/>
@@ -20047,7 +20046,7 @@
                 <a:cs typeface="Calibri"/>
                 <a:sym typeface="Calibri"/>
               </a:rPr>
-              <a:t>Since we have data from 2 years (maybe more?) Could we find some discrepancy between two-year records? If so, why?</a:t>
+              <a:t>Since we have data from 2 years (maybe more?) Could we find some discrepancy between two-year records? If so, why? (The EDA of two years seem similar. How about other years?)</a:t>
             </a:r>
             <a:endParaRPr b="1">
               <a:latin typeface="Calibri"/>
@@ -20083,93 +20082,9 @@
           <a:chExt cx="0" cy="0"/>
         </a:xfrm>
       </p:grpSpPr>
-      <p:pic>
-        <p:nvPicPr>
-          <p:cNvPr id="190" name="Google Shape;190;p33"/>
-          <p:cNvPicPr preferRelativeResize="0"/>
-          <p:nvPr/>
-        </p:nvPicPr>
-        <p:blipFill>
-          <a:blip r:embed="rId3">
-            <a:alphaModFix/>
-          </a:blip>
-          <a:stretch>
-            <a:fillRect/>
-          </a:stretch>
-        </p:blipFill>
-        <p:spPr>
-          <a:xfrm>
-            <a:off x="5495650" y="2484775"/>
-            <a:ext cx="3897500" cy="2361425"/>
-          </a:xfrm>
-          <a:prstGeom prst="rect">
-            <a:avLst/>
-          </a:prstGeom>
-          <a:noFill/>
-          <a:ln>
-            <a:noFill/>
-          </a:ln>
-        </p:spPr>
-      </p:pic>
-      <p:pic>
-        <p:nvPicPr>
-          <p:cNvPr id="191" name="Google Shape;191;p33"/>
-          <p:cNvPicPr preferRelativeResize="0"/>
-          <p:nvPr/>
-        </p:nvPicPr>
-        <p:blipFill>
-          <a:blip r:embed="rId4">
-            <a:alphaModFix/>
-          </a:blip>
-          <a:stretch>
-            <a:fillRect/>
-          </a:stretch>
-        </p:blipFill>
-        <p:spPr>
-          <a:xfrm>
-            <a:off x="3111500" y="1732475"/>
-            <a:ext cx="2476500" cy="2066922"/>
-          </a:xfrm>
-          <a:prstGeom prst="rect">
-            <a:avLst/>
-          </a:prstGeom>
-          <a:noFill/>
-          <a:ln>
-            <a:noFill/>
-          </a:ln>
-        </p:spPr>
-      </p:pic>
-      <p:pic>
-        <p:nvPicPr>
-          <p:cNvPr id="192" name="Google Shape;192;p33"/>
-          <p:cNvPicPr preferRelativeResize="0"/>
-          <p:nvPr/>
-        </p:nvPicPr>
-        <p:blipFill>
-          <a:blip r:embed="rId5">
-            <a:alphaModFix/>
-          </a:blip>
-          <a:stretch>
-            <a:fillRect/>
-          </a:stretch>
-        </p:blipFill>
-        <p:spPr>
-          <a:xfrm>
-            <a:off x="0" y="76975"/>
-            <a:ext cx="3211575" cy="2255875"/>
-          </a:xfrm>
-          <a:prstGeom prst="rect">
-            <a:avLst/>
-          </a:prstGeom>
-          <a:noFill/>
-          <a:ln>
-            <a:noFill/>
-          </a:ln>
-        </p:spPr>
-      </p:pic>
       <p:sp>
         <p:nvSpPr>
-          <p:cNvPr id="193" name="Google Shape;193;p33"/>
+          <p:cNvPr id="190" name="Google Shape;190;p33"/>
           <p:cNvSpPr txBox="1"/>
           <p:nvPr/>
         </p:nvSpPr>
@@ -20225,6 +20140,97 @@
           </a:p>
         </p:txBody>
       </p:sp>
+      <p:pic>
+        <p:nvPicPr>
+          <p:cNvPr id="191" name="Google Shape;191;p33"/>
+          <p:cNvPicPr preferRelativeResize="0"/>
+          <p:nvPr/>
+        </p:nvPicPr>
+        <p:blipFill>
+          <a:blip r:embed="rId3">
+            <a:alphaModFix/>
+          </a:blip>
+          <a:stretch>
+            <a:fillRect/>
+          </a:stretch>
+        </p:blipFill>
+        <p:spPr>
+          <a:xfrm>
+            <a:off x="5381284" y="2446300"/>
+            <a:ext cx="3762716" cy="2360275"/>
+          </a:xfrm>
+          <a:prstGeom prst="rect">
+            <a:avLst/>
+          </a:prstGeom>
+          <a:noFill/>
+          <a:ln>
+            <a:noFill/>
+          </a:ln>
+        </p:spPr>
+      </p:pic>
+      <p:pic>
+        <p:nvPicPr>
+          <p:cNvPr id="192" name="Google Shape;192;p33"/>
+          <p:cNvPicPr preferRelativeResize="0"/>
+          <p:nvPr/>
+        </p:nvPicPr>
+        <p:blipFill>
+          <a:blip r:embed="rId4">
+            <a:alphaModFix/>
+          </a:blip>
+          <a:stretch>
+            <a:fillRect/>
+          </a:stretch>
+        </p:blipFill>
+        <p:spPr>
+          <a:xfrm>
+            <a:off x="2630000" y="1573500"/>
+            <a:ext cx="2818593" cy="2360275"/>
+          </a:xfrm>
+          <a:prstGeom prst="rect">
+            <a:avLst/>
+          </a:prstGeom>
+          <a:noFill/>
+          <a:ln>
+            <a:noFill/>
+          </a:ln>
+          <a:effectLst>
+            <a:outerShdw blurRad="57150" rotWithShape="0" algn="bl" dir="5400000" dist="19050">
+              <a:srgbClr val="000000">
+                <a:alpha val="50000"/>
+              </a:srgbClr>
+            </a:outerShdw>
+          </a:effectLst>
+        </p:spPr>
+      </p:pic>
+      <p:pic>
+        <p:nvPicPr>
+          <p:cNvPr id="193" name="Google Shape;193;p33"/>
+          <p:cNvPicPr preferRelativeResize="0"/>
+          <p:nvPr/>
+        </p:nvPicPr>
+        <p:blipFill>
+          <a:blip r:embed="rId5">
+            <a:alphaModFix/>
+          </a:blip>
+          <a:stretch>
+            <a:fillRect/>
+          </a:stretch>
+        </p:blipFill>
+        <p:spPr>
+          <a:xfrm>
+            <a:off x="0" y="0"/>
+            <a:ext cx="3285176" cy="2297250"/>
+          </a:xfrm>
+          <a:prstGeom prst="rect">
+            <a:avLst/>
+          </a:prstGeom>
+          <a:noFill/>
+          <a:ln>
+            <a:noFill/>
+          </a:ln>
+        </p:spPr>
+      </p:pic>
     </p:spTree>
   </p:cSld>
   <p:clrMapOvr>
@@ -20234,285 +20240,6 @@
 </file>
 
 <file path=ppt/theme/theme1.xml><?xml version="1.0" encoding="utf-8"?>
-<a:theme xmlns:a="http://schemas.openxmlformats.org/drawingml/2006/main" xmlns:r="http://schemas.openxmlformats.org/officeDocument/2006/relationships" name="Office Theme">
-  <a:themeElements>
-    <a:clrScheme name="Office">
-      <a:dk1>
-        <a:srgbClr val="000000"/>
-      </a:dk1>
-      <a:lt1>
-        <a:srgbClr val="FFFFFF"/>
-      </a:lt1>
-      <a:dk2>
-        <a:srgbClr val="44546A"/>
-      </a:dk2>
-      <a:lt2>
-        <a:srgbClr val="E7E6E6"/>
-      </a:lt2>
-      <a:accent1>
-        <a:srgbClr val="4472C4"/>
-      </a:accent1>
-      <a:accent2>
-        <a:srgbClr val="ED7D31"/>
-      </a:accent2>
-      <a:accent3>
-        <a:srgbClr val="A5A5A5"/>
-      </a:accent3>
-      <a:accent4>
-        <a:srgbClr val="FFC000"/>
-      </a:accent4>
-      <a:accent5>
-        <a:srgbClr val="5B9BD5"/>
-      </a:accent5>
-      <a:accent6>
-        <a:srgbClr val="70AD47"/>
-      </a:accent6>
-      <a:hlink>
-        <a:srgbClr val="0563C1"/>
-      </a:hlink>
-      <a:folHlink>
-        <a:srgbClr val="954F72"/>
-      </a:folHlink>
-    </a:clrScheme>
-    <a:fontScheme name="Office">
-      <a:majorFont>
-        <a:latin typeface="Arial"/>
-        <a:ea typeface=""/>
-        <a:cs typeface=""/>
-        <a:font script="Jpan" typeface="ＭＳ Ｐゴシック"/>
-        <a:font script="Hang" typeface="맑은 고딕"/>
-        <a:font script="Hans" typeface="宋体"/>
-        <a:font script="Hant" typeface="新細明體"/>
-        <a:font script="Arab" typeface="Times New Roman"/>
-        <a:font script="Hebr" typeface="Times New Roman"/>
-        <a:font script="Thai" typeface="Angsana New"/>
-        <a:font script="Ethi" typeface="Nyala"/>
-        <a:font script="Beng" typeface="Vrinda"/>
-        <a:font script="Gujr" typeface="Shruti"/>
-        <a:font script="Khmr" typeface="MoolBoran"/>
-        <a:font script="Knda" typeface="Tunga"/>
-        <a:font script="Guru" typeface="Raavi"/>
-        <a:font script="Cans" typeface="Euphemia"/>
-        <a:font script="Cher" typeface="Plantagenet Cherokee"/>
-        <a:font script="Yiii" typeface="Microsoft Yi Baiti"/>
-        <a:font script="Tibt" typeface="Microsoft Himalaya"/>
-        <a:font script="Thaa" typeface="MV Boli"/>
-        <a:font script="Deva" typeface="Mangal"/>
-        <a:font script="Telu" typeface="Gautami"/>
-        <a:font script="Taml" typeface="Latha"/>
-        <a:font script="Syrc" typeface="Estrangelo Edessa"/>
-        <a:font script="Orya" typeface="Kalinga"/>
-        <a:font script="Mlym" typeface="Kartika"/>
-        <a:font script="Laoo" typeface="DokChampa"/>
-        <a:font script="Sinh" typeface="Iskoola Pota"/>
-        <a:font script="Mong" typeface="Mongolian Baiti"/>
-        <a:font script="Viet" typeface="Times New Roman"/>
-        <a:font script="Uigh" typeface="Microsoft Uighur"/>
-        <a:font script="Geor" typeface="Sylfaen"/>
-      </a:majorFont>
-      <a:minorFont>
-        <a:latin typeface="Arial"/>
-        <a:ea typeface=""/>
-        <a:cs typeface=""/>
-        <a:font script="Jpan" typeface="ＭＳ Ｐゴシック"/>
-        <a:font script="Hang" typeface="맑은 고딕"/>
-        <a:font script="Hans" typeface="宋体"/>
-        <a:font script="Hant" typeface="新細明體"/>
-        <a:font script="Arab" typeface="Arial"/>
-        <a:font script="Hebr" typeface="Arial"/>
-        <a:font script="Thai" typeface="Cordia New"/>
-        <a:font script="Ethi" typeface="Nyala"/>
-        <a:font script="Beng" typeface="Vrinda"/>
-        <a:font script="Gujr" typeface="Shruti"/>
-        <a:font script="Khmr" typeface="DaunPenh"/>
-        <a:font script="Knda" typeface="Tunga"/>
-        <a:font script="Guru" typeface="Raavi"/>
-        <a:font script="Cans" typeface="Euphemia"/>
-        <a:font script="Cher" typeface="Plantagenet Cherokee"/>
-        <a:font script="Yiii" typeface="Microsoft Yi Baiti"/>
-        <a:font script="Tibt" typeface="Microsoft Himalaya"/>
-        <a:font script="Thaa" typeface="MV Boli"/>
-        <a:font script="Deva" typeface="Mangal"/>
-        <a:font script="Telu" typeface="Gautami"/>
-        <a:font script="Taml" typeface="Latha"/>
-        <a:font script="Syrc" typeface="Estrangelo Edessa"/>
-        <a:font script="Orya" typeface="Kalinga"/>
-        <a:font script="Mlym" typeface="Kartika"/>
-        <a:font script="Laoo" typeface="DokChampa"/>
-        <a:font script="Sinh" typeface="Iskoola Pota"/>
-        <a:font script="Mong" typeface="Mongolian Baiti"/>
-        <a:font script="Viet" typeface="Arial"/>
-        <a:font script="Uigh" typeface="Microsoft Uighur"/>
-        <a:font script="Geor" typeface="Sylfaen"/>
-      </a:minorFont>
-    </a:fontScheme>
-    <a:fmtScheme name="Office">
-      <a:fillStyleLst>
-        <a:solidFill>
-          <a:schemeClr val="phClr"/>
-        </a:solidFill>
-        <a:gradFill rotWithShape="1">
-          <a:gsLst>
-            <a:gs pos="0">
-              <a:schemeClr val="phClr">
-                <a:tint val="50000"/>
-                <a:satMod val="300000"/>
-              </a:schemeClr>
-            </a:gs>
-            <a:gs pos="35000">
-              <a:schemeClr val="phClr">
-                <a:tint val="37000"/>
-                <a:satMod val="300000"/>
-              </a:schemeClr>
-            </a:gs>
-            <a:gs pos="100000">
-              <a:schemeClr val="phClr">
-                <a:tint val="15000"/>
-                <a:satMod val="350000"/>
-              </a:schemeClr>
-            </a:gs>
-          </a:gsLst>
-          <a:lin ang="16200000" scaled="1"/>
-        </a:gradFill>
-        <a:gradFill rotWithShape="1">
-          <a:gsLst>
-            <a:gs pos="0">
-              <a:schemeClr val="phClr">
-                <a:tint val="100000"/>
-                <a:shade val="100000"/>
-                <a:satMod val="130000"/>
-              </a:schemeClr>
-            </a:gs>
-            <a:gs pos="100000">
-              <a:schemeClr val="phClr">
-                <a:tint val="50000"/>
-                <a:shade val="100000"/>
-                <a:satMod val="350000"/>
-              </a:schemeClr>
-            </a:gs>
-          </a:gsLst>
-          <a:lin ang="16200000" scaled="0"/>
-        </a:gradFill>
-      </a:fillStyleLst>
-      <a:lnStyleLst>
-        <a:ln w="9525" cap="flat" cmpd="sng" algn="ctr">
-          <a:solidFill>
-            <a:schemeClr val="phClr">
-              <a:shade val="95000"/>
-              <a:satMod val="105000"/>
-            </a:schemeClr>
-          </a:solidFill>
-          <a:prstDash val="solid"/>
-        </a:ln>
-        <a:ln w="25400" cap="flat" cmpd="sng" algn="ctr">
-          <a:solidFill>
-            <a:schemeClr val="phClr"/>
-          </a:solidFill>
-          <a:prstDash val="solid"/>
-        </a:ln>
-        <a:ln w="38100" cap="flat" cmpd="sng" algn="ctr">
-          <a:solidFill>
-            <a:schemeClr val="phClr"/>
-          </a:solidFill>
-          <a:prstDash val="solid"/>
-        </a:ln>
-      </a:lnStyleLst>
-      <a:effectStyleLst>
-        <a:effectStyle>
-          <a:effectLst>
-            <a:outerShdw blurRad="40000" dist="20000" dir="5400000" rotWithShape="0">
-              <a:srgbClr val="000000">
-                <a:alpha val="38000"/>
-              </a:srgbClr>
-            </a:outerShdw>
-          </a:effectLst>
-        </a:effectStyle>
-        <a:effectStyle>
-          <a:effectLst>
-            <a:outerShdw blurRad="40000" dist="23000" dir="5400000" rotWithShape="0">
-              <a:srgbClr val="000000">
-                <a:alpha val="35000"/>
-              </a:srgbClr>
-            </a:outerShdw>
-          </a:effectLst>
-        </a:effectStyle>
-        <a:effectStyle>
-          <a:effectLst>
-            <a:outerShdw blurRad="40000" dist="23000" dir="5400000" rotWithShape="0">
-              <a:srgbClr val="000000">
-                <a:alpha val="35000"/>
-              </a:srgbClr>
-            </a:outerShdw>
-          </a:effectLst>
-          <a:scene3d>
-            <a:camera prst="orthographicFront">
-              <a:rot lat="0" lon="0" rev="0"/>
-            </a:camera>
-            <a:lightRig rig="threePt" dir="t">
-              <a:rot lat="0" lon="0" rev="1200000"/>
-            </a:lightRig>
-          </a:scene3d>
-          <a:sp3d>
-            <a:bevelT w="63500" h="25400"/>
-          </a:sp3d>
-        </a:effectStyle>
-      </a:effectStyleLst>
-      <a:bgFillStyleLst>
-        <a:solidFill>
-          <a:schemeClr val="phClr"/>
-        </a:solidFill>
-        <a:gradFill rotWithShape="1">
-          <a:gsLst>
-            <a:gs pos="0">
-              <a:schemeClr val="phClr">
-                <a:tint val="40000"/>
-                <a:satMod val="350000"/>
-              </a:schemeClr>
-            </a:gs>
-            <a:gs pos="40000">
-              <a:schemeClr val="phClr">
-                <a:tint val="45000"/>
-                <a:shade val="99000"/>
-                <a:satMod val="350000"/>
-              </a:schemeClr>
-            </a:gs>
-            <a:gs pos="100000">
-              <a:schemeClr val="phClr">
-                <a:shade val="20000"/>
-                <a:satMod val="255000"/>
-              </a:schemeClr>
-            </a:gs>
-          </a:gsLst>
-          <a:path path="circle">
-            <a:fillToRect l="50000" t="-80000" r="50000" b="180000"/>
-          </a:path>
-        </a:gradFill>
-        <a:gradFill rotWithShape="1">
-          <a:gsLst>
-            <a:gs pos="0">
-              <a:schemeClr val="phClr">
-                <a:tint val="80000"/>
-                <a:satMod val="300000"/>
-              </a:schemeClr>
-            </a:gs>
-            <a:gs pos="100000">
-              <a:schemeClr val="phClr">
-                <a:shade val="30000"/>
-                <a:satMod val="200000"/>
-              </a:schemeClr>
-            </a:gs>
-          </a:gsLst>
-          <a:path path="circle">
-            <a:fillToRect l="50000" t="50000" r="50000" b="50000"/>
-          </a:path>
-        </a:gradFill>
-      </a:bgFillStyleLst>
-    </a:fmtScheme>
-  </a:themeElements>
-</a:theme>
-</file>
-
-<file path=ppt/theme/theme2.xml><?xml version="1.0" encoding="utf-8"?>
 <a:theme xmlns:a="http://schemas.openxmlformats.org/drawingml/2006/main" xmlns:r="http://schemas.openxmlformats.org/officeDocument/2006/relationships" name="Simple Light">
   <a:themeElements>
     <a:clrScheme name="Simple Light">
@@ -20791,7 +20518,7 @@
 </a:theme>
 </file>
 
-<file path=ppt/theme/theme3.xml><?xml version="1.0" encoding="utf-8"?>
+<file path=ppt/theme/theme2.xml><?xml version="1.0" encoding="utf-8"?>
 <a:theme xmlns:a="http://schemas.openxmlformats.org/drawingml/2006/main" xmlns:r="http://schemas.openxmlformats.org/officeDocument/2006/relationships">
   <a:themeElements>
     <a:clrScheme name="Default">
@@ -21068,4 +20795,283 @@
     </a:fmtScheme>
   </a:themeElements>
 </a:theme>
+</file>
+
+<file path=ppt/theme/theme3.xml><?xml version="1.0" encoding="utf-8"?>
+<a:theme xmlns:a="http://schemas.openxmlformats.org/drawingml/2006/main" xmlns:r="http://schemas.openxmlformats.org/officeDocument/2006/relationships" name="Office Theme">
+  <a:themeElements>
+    <a:clrScheme name="Office">
+      <a:dk1>
+        <a:srgbClr val="000000"/>
+      </a:dk1>
+      <a:lt1>
+        <a:srgbClr val="FFFFFF"/>
+      </a:lt1>
+      <a:dk2>
+        <a:srgbClr val="44546A"/>
+      </a:dk2>
+      <a:lt2>
+        <a:srgbClr val="E7E6E6"/>
+      </a:lt2>
+      <a:accent1>
+        <a:srgbClr val="4472C4"/>
+      </a:accent1>
+      <a:accent2>
+        <a:srgbClr val="ED7D31"/>
+      </a:accent2>
+      <a:accent3>
+        <a:srgbClr val="A5A5A5"/>
+      </a:accent3>
+      <a:accent4>
+        <a:srgbClr val="FFC000"/>
+      </a:accent4>
+      <a:accent5>
+        <a:srgbClr val="5B9BD5"/>
+      </a:accent5>
+      <a:accent6>
+        <a:srgbClr val="70AD47"/>
+      </a:accent6>
+      <a:hlink>
+        <a:srgbClr val="0563C1"/>
+      </a:hlink>
+      <a:folHlink>
+        <a:srgbClr val="954F72"/>
+      </a:folHlink>
+    </a:clrScheme>
+    <a:fontScheme name="Office">
+      <a:majorFont>
+        <a:latin typeface="Arial"/>
+        <a:ea typeface=""/>
+        <a:cs typeface=""/>
+        <a:font script="Jpan" typeface="ＭＳ Ｐゴシック"/>
+        <a:font script="Hang" typeface="맑은 고딕"/>
+        <a:font script="Hans" typeface="宋体"/>
+        <a:font script="Hant" typeface="新細明體"/>
+        <a:font script="Arab" typeface="Times New Roman"/>
+        <a:font script="Hebr" typeface="Times New Roman"/>
+        <a:font script="Thai" typeface="Angsana New"/>
+        <a:font script="Ethi" typeface="Nyala"/>
+        <a:font script="Beng" typeface="Vrinda"/>
+        <a:font script="Gujr" typeface="Shruti"/>
+        <a:font script="Khmr" typeface="MoolBoran"/>
+        <a:font script="Knda" typeface="Tunga"/>
+        <a:font script="Guru" typeface="Raavi"/>
+        <a:font script="Cans" typeface="Euphemia"/>
+        <a:font script="Cher" typeface="Plantagenet Cherokee"/>
+        <a:font script="Yiii" typeface="Microsoft Yi Baiti"/>
+        <a:font script="Tibt" typeface="Microsoft Himalaya"/>
+        <a:font script="Thaa" typeface="MV Boli"/>
+        <a:font script="Deva" typeface="Mangal"/>
+        <a:font script="Telu" typeface="Gautami"/>
+        <a:font script="Taml" typeface="Latha"/>
+        <a:font script="Syrc" typeface="Estrangelo Edessa"/>
+        <a:font script="Orya" typeface="Kalinga"/>
+        <a:font script="Mlym" typeface="Kartika"/>
+        <a:font script="Laoo" typeface="DokChampa"/>
+        <a:font script="Sinh" typeface="Iskoola Pota"/>
+        <a:font script="Mong" typeface="Mongolian Baiti"/>
+        <a:font script="Viet" typeface="Times New Roman"/>
+        <a:font script="Uigh" typeface="Microsoft Uighur"/>
+        <a:font script="Geor" typeface="Sylfaen"/>
+      </a:majorFont>
+      <a:minorFont>
+        <a:latin typeface="Arial"/>
+        <a:ea typeface=""/>
+        <a:cs typeface=""/>
+        <a:font script="Jpan" typeface="ＭＳ Ｐゴシック"/>
+        <a:font script="Hang" typeface="맑은 고딕"/>
+        <a:font script="Hans" typeface="宋体"/>
+        <a:font script="Hant" typeface="新細明體"/>
+        <a:font script="Arab" typeface="Arial"/>
+        <a:font script="Hebr" typeface="Arial"/>
+        <a:font script="Thai" typeface="Cordia New"/>
+        <a:font script="Ethi" typeface="Nyala"/>
+        <a:font script="Beng" typeface="Vrinda"/>
+        <a:font script="Gujr" typeface="Shruti"/>
+        <a:font script="Khmr" typeface="DaunPenh"/>
+        <a:font script="Knda" typeface="Tunga"/>
+        <a:font script="Guru" typeface="Raavi"/>
+        <a:font script="Cans" typeface="Euphemia"/>
+        <a:font script="Cher" typeface="Plantagenet Cherokee"/>
+        <a:font script="Yiii" typeface="Microsoft Yi Baiti"/>
+        <a:font script="Tibt" typeface="Microsoft Himalaya"/>
+        <a:font script="Thaa" typeface="MV Boli"/>
+        <a:font script="Deva" typeface="Mangal"/>
+        <a:font script="Telu" typeface="Gautami"/>
+        <a:font script="Taml" typeface="Latha"/>
+        <a:font script="Syrc" typeface="Estrangelo Edessa"/>
+        <a:font script="Orya" typeface="Kalinga"/>
+        <a:font script="Mlym" typeface="Kartika"/>
+        <a:font script="Laoo" typeface="DokChampa"/>
+        <a:font script="Sinh" typeface="Iskoola Pota"/>
+        <a:font script="Mong" typeface="Mongolian Baiti"/>
+        <a:font script="Viet" typeface="Arial"/>
+        <a:font script="Uigh" typeface="Microsoft Uighur"/>
+        <a:font script="Geor" typeface="Sylfaen"/>
+      </a:minorFont>
+    </a:fontScheme>
+    <a:fmtScheme name="Office">
+      <a:fillStyleLst>
+        <a:solidFill>
+          <a:schemeClr val="phClr"/>
+        </a:solidFill>
+        <a:gradFill rotWithShape="1">
+          <a:gsLst>
+            <a:gs pos="0">
+              <a:schemeClr val="phClr">
+                <a:tint val="50000"/>
+                <a:satMod val="300000"/>
+              </a:schemeClr>
+            </a:gs>
+            <a:gs pos="35000">
+              <a:schemeClr val="phClr">
+                <a:tint val="37000"/>
+                <a:satMod val="300000"/>
+              </a:schemeClr>
+            </a:gs>
+            <a:gs pos="100000">
+              <a:schemeClr val="phClr">
+                <a:tint val="15000"/>
+                <a:satMod val="350000"/>
+              </a:schemeClr>
+            </a:gs>
+          </a:gsLst>
+          <a:lin ang="16200000" scaled="1"/>
+        </a:gradFill>
+        <a:gradFill rotWithShape="1">
+          <a:gsLst>
+            <a:gs pos="0">
+              <a:schemeClr val="phClr">
+                <a:tint val="100000"/>
+                <a:shade val="100000"/>
+                <a:satMod val="130000"/>
+              </a:schemeClr>
+            </a:gs>
+            <a:gs pos="100000">
+              <a:schemeClr val="phClr">
+                <a:tint val="50000"/>
+                <a:shade val="100000"/>
+                <a:satMod val="350000"/>
+              </a:schemeClr>
+            </a:gs>
+          </a:gsLst>
+          <a:lin ang="16200000" scaled="0"/>
+        </a:gradFill>
+      </a:fillStyleLst>
+      <a:lnStyleLst>
+        <a:ln w="9525" cap="flat" cmpd="sng" algn="ctr">
+          <a:solidFill>
+            <a:schemeClr val="phClr">
+              <a:shade val="95000"/>
+              <a:satMod val="105000"/>
+            </a:schemeClr>
+          </a:solidFill>
+          <a:prstDash val="solid"/>
+        </a:ln>
+        <a:ln w="25400" cap="flat" cmpd="sng" algn="ctr">
+          <a:solidFill>
+            <a:schemeClr val="phClr"/>
+          </a:solidFill>
+          <a:prstDash val="solid"/>
+        </a:ln>
+        <a:ln w="38100" cap="flat" cmpd="sng" algn="ctr">
+          <a:solidFill>
+            <a:schemeClr val="phClr"/>
+          </a:solidFill>
+          <a:prstDash val="solid"/>
+        </a:ln>
+      </a:lnStyleLst>
+      <a:effectStyleLst>
+        <a:effectStyle>
+          <a:effectLst>
+            <a:outerShdw blurRad="40000" dist="20000" dir="5400000" rotWithShape="0">
+              <a:srgbClr val="000000">
+                <a:alpha val="38000"/>
+              </a:srgbClr>
+            </a:outerShdw>
+          </a:effectLst>
+        </a:effectStyle>
+        <a:effectStyle>
+          <a:effectLst>
+            <a:outerShdw blurRad="40000" dist="23000" dir="5400000" rotWithShape="0">
+              <a:srgbClr val="000000">
+                <a:alpha val="35000"/>
+              </a:srgbClr>
+            </a:outerShdw>
+          </a:effectLst>
+        </a:effectStyle>
+        <a:effectStyle>
+          <a:effectLst>
+            <a:outerShdw blurRad="40000" dist="23000" dir="5400000" rotWithShape="0">
+              <a:srgbClr val="000000">
+                <a:alpha val="35000"/>
+              </a:srgbClr>
+            </a:outerShdw>
+          </a:effectLst>
+          <a:scene3d>
+            <a:camera prst="orthographicFront">
+              <a:rot lat="0" lon="0" rev="0"/>
+            </a:camera>
+            <a:lightRig rig="threePt" dir="t">
+              <a:rot lat="0" lon="0" rev="1200000"/>
+            </a:lightRig>
+          </a:scene3d>
+          <a:sp3d>
+            <a:bevelT w="63500" h="25400"/>
+          </a:sp3d>
+        </a:effectStyle>
+      </a:effectStyleLst>
+      <a:bgFillStyleLst>
+        <a:solidFill>
+          <a:schemeClr val="phClr"/>
+        </a:solidFill>
+        <a:gradFill rotWithShape="1">
+          <a:gsLst>
+            <a:gs pos="0">
+              <a:schemeClr val="phClr">
+                <a:tint val="40000"/>
+                <a:satMod val="350000"/>
+              </a:schemeClr>
+            </a:gs>
+            <a:gs pos="40000">
+              <a:schemeClr val="phClr">
+                <a:tint val="45000"/>
+                <a:shade val="99000"/>
+                <a:satMod val="350000"/>
+              </a:schemeClr>
+            </a:gs>
+            <a:gs pos="100000">
+              <a:schemeClr val="phClr">
+                <a:shade val="20000"/>
+                <a:satMod val="255000"/>
+              </a:schemeClr>
+            </a:gs>
+          </a:gsLst>
+          <a:path path="circle">
+            <a:fillToRect l="50000" t="-80000" r="50000" b="180000"/>
+          </a:path>
+        </a:gradFill>
+        <a:gradFill rotWithShape="1">
+          <a:gsLst>
+            <a:gs pos="0">
+              <a:schemeClr val="phClr">
+                <a:tint val="80000"/>
+                <a:satMod val="300000"/>
+              </a:schemeClr>
+            </a:gs>
+            <a:gs pos="100000">
+              <a:schemeClr val="phClr">
+                <a:shade val="30000"/>
+                <a:satMod val="200000"/>
+              </a:schemeClr>
+            </a:gs>
+          </a:gsLst>
+          <a:path path="circle">
+            <a:fillToRect l="50000" t="50000" r="50000" b="50000"/>
+          </a:path>
+        </a:gradFill>
+      </a:bgFillStyleLst>
+    </a:fmtScheme>
+  </a:themeElements>
+</a:theme>
 </file>